--- a/Queue+Thread .pptx
+++ b/Queue+Thread .pptx
@@ -12450,7 +12450,7 @@
               </a:lnSpc>
             </a:pPr>
             <a:r>
-              <a:rPr lang="en-US" b="1" spc="-1" dirty="0" err="1">
+              <a:rPr lang="en-US" b="1" spc="-1" dirty="0" err="1" smtClean="0">
                 <a:solidFill>
                   <a:srgbClr val="000000"/>
                 </a:solidFill>
@@ -12461,7 +12461,7 @@
                 </a:uFill>
                 <a:latin typeface="Arial"/>
               </a:rPr>
-              <a:t>Itme_wall</a:t>
+              <a:t>Item_wall</a:t>
             </a:r>
             <a:endParaRPr lang="en-US" sz="1800" b="1" strike="noStrike" spc="-1" dirty="0">
               <a:solidFill>
